--- a/lectures3/gr/Pythonlearn-08-Lists.pptx
+++ b/lectures3/gr/Pythonlearn-08-Lists.pptx
@@ -569,27 +569,78 @@
           </a:bodyPr>
           <a:lstStyle/>
           <a:p>
-            <a:pPr lvl="0">
-              <a:spcBef>
-                <a:spcPts val="0"/>
-              </a:spcBef>
+            <a:pPr marL="0" marR="0" lvl="0" indent="0" algn="l" defTabSz="914400" rtl="0" eaLnBrk="1" fontAlgn="auto" latinLnBrk="0" hangingPunct="1">
+              <a:lnSpc>
+                <a:spcPct val="100000"/>
+              </a:lnSpc>
+              <a:spcBef>
+                <a:spcPts val="0"/>
+              </a:spcBef>
+              <a:spcAft>
+                <a:spcPts val="0"/>
+              </a:spcAft>
+              <a:buClrTx/>
+              <a:buSzTx/>
+              <a:buFontTx/>
               <a:buNone/>
-            </a:pPr>
+              <a:tabLst/>
+              <a:defRPr/>
+            </a:pPr>
+            <a:r>
+              <a:rPr lang="el-GR" dirty="0">
+                <a:solidFill>
+                  <a:schemeClr val="dk2"/>
+                </a:solidFill>
+              </a:rPr>
+              <a:t>Σημείωση από τον </a:t>
+            </a:r>
             <a:r>
               <a:rPr lang="en-US" dirty="0">
                 <a:solidFill>
                   <a:schemeClr val="dk2"/>
                 </a:solidFill>
               </a:rPr>
-              <a:t>Note from Chuck.  If you are using these materials, you can remove the UM logo and replace it with your own, but please retain the CC-BY logo on the first page as well as retain the acknowledgement page(s)</a:t>
-            </a:r>
-            <a:r>
-              <a:rPr lang="en-US" baseline="0" dirty="0">
+              <a:t> Chuck</a:t>
+            </a:r>
+            <a:r>
+              <a:rPr lang="el-GR" dirty="0">
                 <a:solidFill>
                   <a:schemeClr val="dk2"/>
                 </a:solidFill>
               </a:rPr>
-              <a:t> at the end.</a:t>
+              <a:t>. Εάν χρησιμοποιείτε αυτό το υλικό, μπορείτε να αφαιρέσετε το λογότυπο UM και να το αντικαταστήσετε με το δικό σας, αλλά διατηρήστε το λογότυπο CC-BY στην πρώτη σελίδα καθώς την/τις σελίδα/</a:t>
+            </a:r>
+            <a:r>
+              <a:rPr lang="el-GR" dirty="0" err="1">
+                <a:solidFill>
+                  <a:schemeClr val="dk2"/>
+                </a:solidFill>
+              </a:rPr>
+              <a:t>ες</a:t>
+            </a:r>
+            <a:r>
+              <a:rPr lang="el-GR" dirty="0">
+                <a:solidFill>
+                  <a:schemeClr val="dk2"/>
+                </a:solidFill>
+              </a:rPr>
+              <a:t> </a:t>
+            </a:r>
+            <a:r>
+              <a:rPr lang="el-GR">
+                <a:solidFill>
+                  <a:schemeClr val="dk2"/>
+                </a:solidFill>
+              </a:rPr>
+              <a:t>αναγνώρισης.</a:t>
+            </a:r>
+            <a:r>
+              <a:rPr lang="en-US" baseline="0">
+                <a:solidFill>
+                  <a:schemeClr val="dk2"/>
+                </a:solidFill>
+              </a:rPr>
+              <a:t>.</a:t>
             </a:r>
             <a:endParaRPr lang="en-US" dirty="0">
               <a:solidFill>
